--- a/Real-time link quality estimation for industrial wireless sensor networks using de dicate d nodes.pptx
+++ b/Real-time link quality estimation for industrial wireless sensor networks using de dicate d nodes.pptx
@@ -9,10 +9,11 @@
     <p:sldId id="257" r:id="rId3"/>
     <p:sldId id="258" r:id="rId4"/>
     <p:sldId id="259" r:id="rId5"/>
-    <p:sldId id="260" r:id="rId6"/>
-    <p:sldId id="261" r:id="rId7"/>
-    <p:sldId id="262" r:id="rId8"/>
-    <p:sldId id="263" r:id="rId9"/>
+    <p:sldId id="264" r:id="rId6"/>
+    <p:sldId id="260" r:id="rId7"/>
+    <p:sldId id="261" r:id="rId8"/>
+    <p:sldId id="262" r:id="rId9"/>
+    <p:sldId id="263" r:id="rId10"/>
   </p:sldIdLst>
   <p:sldSz cx="12192000" cy="6858000"/>
   <p:notesSz cx="6858000" cy="9144000"/>
@@ -266,7 +267,7 @@
           <a:p>
             <a:fld id="{E56A0FF3-AE13-4817-9779-B798AE5609A4}" type="datetimeFigureOut">
               <a:rPr lang="en-US" smtClean="0"/>
-              <a:t>11/25/2020</a:t>
+              <a:t>1/7/2021</a:t>
             </a:fld>
             <a:endParaRPr lang="en-US"/>
           </a:p>
@@ -464,7 +465,7 @@
           <a:p>
             <a:fld id="{E56A0FF3-AE13-4817-9779-B798AE5609A4}" type="datetimeFigureOut">
               <a:rPr lang="en-US" smtClean="0"/>
-              <a:t>11/25/2020</a:t>
+              <a:t>1/7/2021</a:t>
             </a:fld>
             <a:endParaRPr lang="en-US"/>
           </a:p>
@@ -672,7 +673,7 @@
           <a:p>
             <a:fld id="{E56A0FF3-AE13-4817-9779-B798AE5609A4}" type="datetimeFigureOut">
               <a:rPr lang="en-US" smtClean="0"/>
-              <a:t>11/25/2020</a:t>
+              <a:t>1/7/2021</a:t>
             </a:fld>
             <a:endParaRPr lang="en-US"/>
           </a:p>
@@ -870,7 +871,7 @@
           <a:p>
             <a:fld id="{E56A0FF3-AE13-4817-9779-B798AE5609A4}" type="datetimeFigureOut">
               <a:rPr lang="en-US" smtClean="0"/>
-              <a:t>11/25/2020</a:t>
+              <a:t>1/7/2021</a:t>
             </a:fld>
             <a:endParaRPr lang="en-US"/>
           </a:p>
@@ -1145,7 +1146,7 @@
           <a:p>
             <a:fld id="{E56A0FF3-AE13-4817-9779-B798AE5609A4}" type="datetimeFigureOut">
               <a:rPr lang="en-US" smtClean="0"/>
-              <a:t>11/25/2020</a:t>
+              <a:t>1/7/2021</a:t>
             </a:fld>
             <a:endParaRPr lang="en-US"/>
           </a:p>
@@ -1410,7 +1411,7 @@
           <a:p>
             <a:fld id="{E56A0FF3-AE13-4817-9779-B798AE5609A4}" type="datetimeFigureOut">
               <a:rPr lang="en-US" smtClean="0"/>
-              <a:t>11/25/2020</a:t>
+              <a:t>1/7/2021</a:t>
             </a:fld>
             <a:endParaRPr lang="en-US"/>
           </a:p>
@@ -1822,7 +1823,7 @@
           <a:p>
             <a:fld id="{E56A0FF3-AE13-4817-9779-B798AE5609A4}" type="datetimeFigureOut">
               <a:rPr lang="en-US" smtClean="0"/>
-              <a:t>11/25/2020</a:t>
+              <a:t>1/7/2021</a:t>
             </a:fld>
             <a:endParaRPr lang="en-US"/>
           </a:p>
@@ -1963,7 +1964,7 @@
           <a:p>
             <a:fld id="{E56A0FF3-AE13-4817-9779-B798AE5609A4}" type="datetimeFigureOut">
               <a:rPr lang="en-US" smtClean="0"/>
-              <a:t>11/25/2020</a:t>
+              <a:t>1/7/2021</a:t>
             </a:fld>
             <a:endParaRPr lang="en-US"/>
           </a:p>
@@ -2076,7 +2077,7 @@
           <a:p>
             <a:fld id="{E56A0FF3-AE13-4817-9779-B798AE5609A4}" type="datetimeFigureOut">
               <a:rPr lang="en-US" smtClean="0"/>
-              <a:t>11/25/2020</a:t>
+              <a:t>1/7/2021</a:t>
             </a:fld>
             <a:endParaRPr lang="en-US"/>
           </a:p>
@@ -2387,7 +2388,7 @@
           <a:p>
             <a:fld id="{E56A0FF3-AE13-4817-9779-B798AE5609A4}" type="datetimeFigureOut">
               <a:rPr lang="en-US" smtClean="0"/>
-              <a:t>11/25/2020</a:t>
+              <a:t>1/7/2021</a:t>
             </a:fld>
             <a:endParaRPr lang="en-US"/>
           </a:p>
@@ -2675,7 +2676,7 @@
           <a:p>
             <a:fld id="{E56A0FF3-AE13-4817-9779-B798AE5609A4}" type="datetimeFigureOut">
               <a:rPr lang="en-US" smtClean="0"/>
-              <a:t>11/25/2020</a:t>
+              <a:t>1/7/2021</a:t>
             </a:fld>
             <a:endParaRPr lang="en-US"/>
           </a:p>
@@ -2916,7 +2917,7 @@
           <a:p>
             <a:fld id="{E56A0FF3-AE13-4817-9779-B798AE5609A4}" type="datetimeFigureOut">
               <a:rPr lang="en-US" smtClean="0"/>
-              <a:t>11/25/2020</a:t>
+              <a:t>1/7/2021</a:t>
             </a:fld>
             <a:endParaRPr lang="en-US"/>
           </a:p>
@@ -3793,7 +3794,7 @@
           <p:cNvPr id="2" name="Title 1">
             <a:extLst>
               <a:ext uri="{FF2B5EF4-FFF2-40B4-BE49-F238E27FC236}">
-                <a16:creationId xmlns:a16="http://schemas.microsoft.com/office/drawing/2014/main" id="{EC45E4CD-8199-4A07-A963-DDBBDC425A35}"/>
+                <a16:creationId xmlns:a16="http://schemas.microsoft.com/office/drawing/2014/main" id="{73F6105E-2DC2-44D9-82BA-984E52FE6819}"/>
               </a:ext>
             </a:extLst>
           </p:cNvPr>
@@ -3811,7 +3812,7 @@
           <a:p>
             <a:r>
               <a:rPr lang="en-US"/>
-              <a:t>The link quality estimator</a:t>
+              <a:t>The LQE node</a:t>
             </a:r>
           </a:p>
         </p:txBody>
@@ -3821,7 +3822,7 @@
           <p:cNvPr id="3" name="Content Placeholder 2">
             <a:extLst>
               <a:ext uri="{FF2B5EF4-FFF2-40B4-BE49-F238E27FC236}">
-                <a16:creationId xmlns:a16="http://schemas.microsoft.com/office/drawing/2014/main" id="{0AE21EF4-4A2E-4945-B145-E419CECEA717}"/>
+                <a16:creationId xmlns:a16="http://schemas.microsoft.com/office/drawing/2014/main" id="{A72BF6CF-880E-43BF-AFF6-AE4C7DAB2ABB}"/>
               </a:ext>
             </a:extLst>
           </p:cNvPr>
@@ -3837,75 +3838,14 @@
           <a:bodyPr/>
           <a:lstStyle/>
           <a:p>
-            <a:r>
-              <a:rPr lang="en-US"/>
-              <a:t>The proposed estimator is executed at the receiver side, and combines three metrics, the </a:t>
-            </a:r>
-            <a:r>
-              <a:rPr lang="en-US" i="1"/>
-              <a:t>P f , C a </a:t>
-            </a:r>
-            <a:r>
-              <a:rPr lang="en-US"/>
-              <a:t>, and </a:t>
-            </a:r>
-            <a:r>
-              <a:rPr lang="en-US" i="1"/>
-              <a:t>P b </a:t>
-            </a:r>
-            <a:r>
-              <a:rPr lang="en-US"/>
-              <a:t>.</a:t>
-            </a:r>
-          </a:p>
-          <a:p>
-            <a:r>
-              <a:rPr lang="en-US"/>
-              <a:t>The </a:t>
-            </a:r>
-            <a:r>
-              <a:rPr lang="en-US" i="1"/>
-              <a:t>Pf </a:t>
-            </a:r>
-            <a:r>
-              <a:rPr lang="en-US"/>
-              <a:t>is based on the analysis of the RSSI of received packets, and captures the effects of fading and shadowing in the channel quality. It has high correlation with the PRR at the receiver (forward PRR).</a:t>
-            </a:r>
-          </a:p>
-          <a:p>
-            <a:r>
-              <a:rPr lang="en-US"/>
-              <a:t>The </a:t>
-            </a:r>
-            <a:r>
-              <a:rPr lang="en-US" i="1"/>
-              <a:t>Ca </a:t>
-            </a:r>
-            <a:r>
-              <a:rPr lang="en-US"/>
-              <a:t>is based on the analysis of RSSI values obtained in periods without packet reception, and captures the influence of interference sources in the channel quality </a:t>
-            </a:r>
-          </a:p>
-          <a:p>
-            <a:r>
-              <a:rPr lang="en-US"/>
-              <a:t>The </a:t>
-            </a:r>
-            <a:r>
-              <a:rPr lang="en-US" i="1"/>
-              <a:t>Pb </a:t>
-            </a:r>
-            <a:r>
-              <a:rPr lang="en-US"/>
-              <a:t>is based on the number of duplicate packets received, and has high correlation with the PRR at the transmitter (backward PRR)</a:t>
-            </a:r>
+            <a:endParaRPr lang="en-US"/>
           </a:p>
         </p:txBody>
       </p:sp>
     </p:spTree>
     <p:extLst>
       <p:ext uri="{BB962C8B-B14F-4D97-AF65-F5344CB8AC3E}">
-        <p14:creationId xmlns:p14="http://schemas.microsoft.com/office/powerpoint/2010/main" val="3548218850"/>
+        <p14:creationId xmlns:p14="http://schemas.microsoft.com/office/powerpoint/2010/main" val="379411685"/>
       </p:ext>
     </p:extLst>
   </p:cSld>
@@ -3937,6 +3877,150 @@
           <p:cNvPr id="2" name="Title 1">
             <a:extLst>
               <a:ext uri="{FF2B5EF4-FFF2-40B4-BE49-F238E27FC236}">
+                <a16:creationId xmlns:a16="http://schemas.microsoft.com/office/drawing/2014/main" id="{EC45E4CD-8199-4A07-A963-DDBBDC425A35}"/>
+              </a:ext>
+            </a:extLst>
+          </p:cNvPr>
+          <p:cNvSpPr>
+            <a:spLocks noGrp="1"/>
+          </p:cNvSpPr>
+          <p:nvPr>
+            <p:ph type="title"/>
+          </p:nvPr>
+        </p:nvSpPr>
+        <p:spPr/>
+        <p:txBody>
+          <a:bodyPr/>
+          <a:lstStyle/>
+          <a:p>
+            <a:r>
+              <a:rPr lang="en-US"/>
+              <a:t>The link quality estimator</a:t>
+            </a:r>
+          </a:p>
+        </p:txBody>
+      </p:sp>
+      <p:sp>
+        <p:nvSpPr>
+          <p:cNvPr id="3" name="Content Placeholder 2">
+            <a:extLst>
+              <a:ext uri="{FF2B5EF4-FFF2-40B4-BE49-F238E27FC236}">
+                <a16:creationId xmlns:a16="http://schemas.microsoft.com/office/drawing/2014/main" id="{0AE21EF4-4A2E-4945-B145-E419CECEA717}"/>
+              </a:ext>
+            </a:extLst>
+          </p:cNvPr>
+          <p:cNvSpPr>
+            <a:spLocks noGrp="1"/>
+          </p:cNvSpPr>
+          <p:nvPr>
+            <p:ph idx="1"/>
+          </p:nvPr>
+        </p:nvSpPr>
+        <p:spPr/>
+        <p:txBody>
+          <a:bodyPr/>
+          <a:lstStyle/>
+          <a:p>
+            <a:r>
+              <a:rPr lang="en-US"/>
+              <a:t>The proposed estimator is executed at the receiver side, and combines three metrics, the </a:t>
+            </a:r>
+            <a:r>
+              <a:rPr lang="en-US" i="1"/>
+              <a:t>P f , C a </a:t>
+            </a:r>
+            <a:r>
+              <a:rPr lang="en-US"/>
+              <a:t>, and </a:t>
+            </a:r>
+            <a:r>
+              <a:rPr lang="en-US" i="1"/>
+              <a:t>P b </a:t>
+            </a:r>
+            <a:r>
+              <a:rPr lang="en-US"/>
+              <a:t>.</a:t>
+            </a:r>
+          </a:p>
+          <a:p>
+            <a:r>
+              <a:rPr lang="en-US"/>
+              <a:t>The </a:t>
+            </a:r>
+            <a:r>
+              <a:rPr lang="en-US" i="1"/>
+              <a:t>Pf </a:t>
+            </a:r>
+            <a:r>
+              <a:rPr lang="en-US"/>
+              <a:t>is based on the analysis of the RSSI of received packets, and captures the effects of fading and shadowing in the channel quality. It has high correlation with the PRR at the receiver (forward PRR).</a:t>
+            </a:r>
+          </a:p>
+          <a:p>
+            <a:r>
+              <a:rPr lang="en-US"/>
+              <a:t>The </a:t>
+            </a:r>
+            <a:r>
+              <a:rPr lang="en-US" i="1"/>
+              <a:t>Ca </a:t>
+            </a:r>
+            <a:r>
+              <a:rPr lang="en-US"/>
+              <a:t>is based on the analysis of RSSI values obtained in periods without packet reception, and captures the influence of interference sources in the channel quality </a:t>
+            </a:r>
+          </a:p>
+          <a:p>
+            <a:r>
+              <a:rPr lang="en-US"/>
+              <a:t>The </a:t>
+            </a:r>
+            <a:r>
+              <a:rPr lang="en-US" i="1"/>
+              <a:t>Pb </a:t>
+            </a:r>
+            <a:r>
+              <a:rPr lang="en-US"/>
+              <a:t>is based on the number of duplicate packets received, and has high correlation with the PRR at the transmitter (backward PRR)</a:t>
+            </a:r>
+          </a:p>
+        </p:txBody>
+      </p:sp>
+    </p:spTree>
+    <p:extLst>
+      <p:ext uri="{BB962C8B-B14F-4D97-AF65-F5344CB8AC3E}">
+        <p14:creationId xmlns:p14="http://schemas.microsoft.com/office/powerpoint/2010/main" val="3548218850"/>
+      </p:ext>
+    </p:extLst>
+  </p:cSld>
+  <p:clrMapOvr>
+    <a:masterClrMapping/>
+  </p:clrMapOvr>
+</p:sld>
+</file>
+
+<file path=ppt/slides/slide7.xml><?xml version="1.0" encoding="utf-8"?>
+<p:sld xmlns:a="http://schemas.openxmlformats.org/drawingml/2006/main" xmlns:r="http://schemas.openxmlformats.org/officeDocument/2006/relationships" xmlns:p="http://schemas.openxmlformats.org/presentationml/2006/main">
+  <p:cSld>
+    <p:spTree>
+      <p:nvGrpSpPr>
+        <p:cNvPr id="1" name=""/>
+        <p:cNvGrpSpPr/>
+        <p:nvPr/>
+      </p:nvGrpSpPr>
+      <p:grpSpPr>
+        <a:xfrm>
+          <a:off x="0" y="0"/>
+          <a:ext cx="0" cy="0"/>
+          <a:chOff x="0" y="0"/>
+          <a:chExt cx="0" cy="0"/>
+        </a:xfrm>
+      </p:grpSpPr>
+      <p:sp>
+        <p:nvSpPr>
+          <p:cNvPr id="2" name="Title 1">
+            <a:extLst>
+              <a:ext uri="{FF2B5EF4-FFF2-40B4-BE49-F238E27FC236}">
                 <a16:creationId xmlns:a16="http://schemas.microsoft.com/office/drawing/2014/main" id="{3AFB3ED3-B631-4721-B2B5-05F89C1C3407}"/>
               </a:ext>
             </a:extLst>
@@ -4013,7 +4097,7 @@
 </p:sld>
 </file>
 
-<file path=ppt/slides/slide7.xml><?xml version="1.0" encoding="utf-8"?>
+<file path=ppt/slides/slide8.xml><?xml version="1.0" encoding="utf-8"?>
 <p:sld xmlns:a="http://schemas.openxmlformats.org/drawingml/2006/main" xmlns:r="http://schemas.openxmlformats.org/officeDocument/2006/relationships" xmlns:p="http://schemas.openxmlformats.org/presentationml/2006/main">
   <p:cSld>
     <p:spTree>
@@ -4141,7 +4225,7 @@
 </p:sld>
 </file>
 
-<file path=ppt/slides/slide8.xml><?xml version="1.0" encoding="utf-8"?>
+<file path=ppt/slides/slide9.xml><?xml version="1.0" encoding="utf-8"?>
 <p:sld xmlns:a="http://schemas.openxmlformats.org/drawingml/2006/main" xmlns:r="http://schemas.openxmlformats.org/officeDocument/2006/relationships" xmlns:p="http://schemas.openxmlformats.org/presentationml/2006/main">
   <p:cSld>
     <p:spTree>
